--- a/Clase 3/Clase3.pptx
+++ b/Clase 3/Clase3.pptx
@@ -16692,13 +16692,15 @@
       <p:cxnSp>
         <p:nvCxnSpPr>
           <p:cNvPr id="261" name="Shape 261"/>
-          <p:cNvCxnSpPr/>
+          <p:cNvCxnSpPr>
+            <a:cxnSpLocks/>
+          </p:cNvCxnSpPr>
           <p:nvPr/>
         </p:nvCxnSpPr>
         <p:spPr>
           <a:xfrm>
-            <a:off x="4827882" y="5993085"/>
-            <a:ext cx="896245" cy="244226"/>
+            <a:off x="4787530" y="5993085"/>
+            <a:ext cx="936597" cy="244226"/>
           </a:xfrm>
           <a:prstGeom prst="straightConnector1">
             <a:avLst/>
@@ -16715,67 +16717,18 @@
           </a:ln>
         </p:spPr>
       </p:cxnSp>
-      <p:sp>
-        <p:nvSpPr>
-          <p:cNvPr id="262" name="Shape 262"/>
-          <p:cNvSpPr/>
-          <p:nvPr/>
-        </p:nvSpPr>
-        <p:spPr>
-          <a:xfrm rot="10800000">
-            <a:off x="4463495" y="5487836"/>
-            <a:ext cx="648071" cy="505246"/>
-          </a:xfrm>
-          <a:prstGeom prst="triangle">
-            <a:avLst>
-              <a:gd name="adj" fmla="val 50000"/>
-            </a:avLst>
-          </a:prstGeom>
-          <a:noFill/>
-          <a:ln w="12700" cap="flat" cmpd="sng">
-            <a:solidFill>
-              <a:schemeClr val="dk1"/>
-            </a:solidFill>
-            <a:prstDash val="solid"/>
-            <a:round/>
-            <a:headEnd type="none" w="med" len="med"/>
-            <a:tailEnd type="none" w="med" len="med"/>
-          </a:ln>
-        </p:spPr>
-        <p:txBody>
-          <a:bodyPr lIns="91425" tIns="45700" rIns="91425" bIns="45700" anchor="ctr" anchorCtr="0">
-            <a:noAutofit/>
-          </a:bodyPr>
-          <a:lstStyle/>
-          <a:p>
-            <a:pPr marL="0" marR="0" lvl="0" indent="0" algn="ctr" rtl="0">
-              <a:spcBef>
-                <a:spcPts val="0"/>
-              </a:spcBef>
-              <a:buNone/>
-            </a:pPr>
-            <a:endParaRPr sz="1800" b="0" i="0" u="none" strike="noStrike" cap="none">
-              <a:solidFill>
-                <a:schemeClr val="lt1"/>
-              </a:solidFill>
-              <a:latin typeface="Arial"/>
-              <a:ea typeface="Arial"/>
-              <a:cs typeface="Arial"/>
-              <a:sym typeface="Arial"/>
-            </a:endParaRPr>
-          </a:p>
-        </p:txBody>
-      </p:sp>
       <p:cxnSp>
         <p:nvCxnSpPr>
           <p:cNvPr id="263" name="Shape 263"/>
-          <p:cNvCxnSpPr/>
+          <p:cNvCxnSpPr>
+            <a:cxnSpLocks/>
+          </p:cNvCxnSpPr>
           <p:nvPr/>
         </p:nvCxnSpPr>
         <p:spPr>
           <a:xfrm>
             <a:off x="4787530" y="5265714"/>
-            <a:ext cx="0" cy="222124"/>
+            <a:ext cx="0" cy="711133"/>
           </a:xfrm>
           <a:prstGeom prst="straightConnector1">
             <a:avLst/>
@@ -16792,6 +16745,64 @@
           </a:ln>
         </p:spPr>
       </p:cxnSp>
+      <p:sp>
+        <p:nvSpPr>
+          <p:cNvPr id="19" name="Shape 329">
+            <a:extLst>
+              <a:ext uri="{FF2B5EF4-FFF2-40B4-BE49-F238E27FC236}">
+                <a16:creationId xmlns:a16="http://schemas.microsoft.com/office/drawing/2014/main" id="{5C53E35F-4FC9-4093-892F-5F6C024563B5}"/>
+              </a:ext>
+            </a:extLst>
+          </p:cNvPr>
+          <p:cNvSpPr/>
+          <p:nvPr/>
+        </p:nvSpPr>
+        <p:spPr>
+          <a:xfrm rot="8405148">
+            <a:off x="4046426" y="4217324"/>
+            <a:ext cx="1626198" cy="1422815"/>
+          </a:xfrm>
+          <a:prstGeom prst="arc">
+            <a:avLst>
+              <a:gd name="adj1" fmla="val 17119367"/>
+              <a:gd name="adj2" fmla="val 20652034"/>
+            </a:avLst>
+          </a:prstGeom>
+          <a:noFill/>
+          <a:ln w="28575" cap="flat" cmpd="sng">
+            <a:solidFill>
+              <a:srgbClr val="7030A0"/>
+            </a:solidFill>
+            <a:prstDash val="solid"/>
+            <a:round/>
+            <a:headEnd type="none" w="med" len="med"/>
+            <a:tailEnd type="none" w="med" len="med"/>
+          </a:ln>
+        </p:spPr>
+        <p:txBody>
+          <a:bodyPr lIns="91425" tIns="45700" rIns="91425" bIns="45700" anchor="ctr" anchorCtr="0">
+            <a:noAutofit/>
+          </a:bodyPr>
+          <a:lstStyle/>
+          <a:p>
+            <a:pPr marL="0" marR="0" lvl="0" indent="0" algn="ctr" rtl="0">
+              <a:spcBef>
+                <a:spcPts val="0"/>
+              </a:spcBef>
+              <a:buNone/>
+            </a:pPr>
+            <a:endParaRPr sz="1800" b="0" i="0" u="none" strike="noStrike" cap="none">
+              <a:solidFill>
+                <a:schemeClr val="dk1"/>
+              </a:solidFill>
+              <a:latin typeface="Arial"/>
+              <a:ea typeface="Arial"/>
+              <a:cs typeface="Arial"/>
+              <a:sym typeface="Arial"/>
+            </a:endParaRPr>
+          </a:p>
+        </p:txBody>
+      </p:sp>
     </p:spTree>
     <p:extLst>
       <p:ext uri="{BB962C8B-B14F-4D97-AF65-F5344CB8AC3E}">
@@ -17366,13 +17377,15 @@
       <p:cxnSp>
         <p:nvCxnSpPr>
           <p:cNvPr id="279" name="Shape 279"/>
-          <p:cNvCxnSpPr/>
+          <p:cNvCxnSpPr>
+            <a:cxnSpLocks/>
+          </p:cNvCxnSpPr>
           <p:nvPr/>
         </p:nvCxnSpPr>
         <p:spPr>
           <a:xfrm flipH="1">
-            <a:off x="3367980" y="5802807"/>
-            <a:ext cx="1163666" cy="244226"/>
+            <a:off x="3367981" y="5662017"/>
+            <a:ext cx="1134003" cy="385016"/>
           </a:xfrm>
           <a:prstGeom prst="straightConnector1">
             <a:avLst/>
@@ -17392,13 +17405,15 @@
       <p:cxnSp>
         <p:nvCxnSpPr>
           <p:cNvPr id="280" name="Shape 280"/>
-          <p:cNvCxnSpPr/>
+          <p:cNvCxnSpPr>
+            <a:cxnSpLocks/>
+          </p:cNvCxnSpPr>
           <p:nvPr/>
         </p:nvCxnSpPr>
         <p:spPr>
           <a:xfrm>
-            <a:off x="4572000" y="5802807"/>
-            <a:ext cx="896245" cy="244226"/>
+            <a:off x="4557525" y="5687527"/>
+            <a:ext cx="910720" cy="359506"/>
           </a:xfrm>
           <a:prstGeom prst="straightConnector1">
             <a:avLst/>
@@ -17509,67 +17524,18 @@
           </a:p>
         </p:txBody>
       </p:sp>
-      <p:sp>
-        <p:nvSpPr>
-          <p:cNvPr id="283" name="Shape 283"/>
-          <p:cNvSpPr/>
-          <p:nvPr/>
-        </p:nvSpPr>
-        <p:spPr>
-          <a:xfrm rot="10800000">
-            <a:off x="4207613" y="5297560"/>
-            <a:ext cx="648071" cy="505246"/>
-          </a:xfrm>
-          <a:prstGeom prst="triangle">
-            <a:avLst>
-              <a:gd name="adj" fmla="val 50000"/>
-            </a:avLst>
-          </a:prstGeom>
-          <a:noFill/>
-          <a:ln w="12700" cap="flat" cmpd="sng">
-            <a:solidFill>
-              <a:schemeClr val="dk1"/>
-            </a:solidFill>
-            <a:prstDash val="solid"/>
-            <a:round/>
-            <a:headEnd type="none" w="med" len="med"/>
-            <a:tailEnd type="none" w="med" len="med"/>
-          </a:ln>
-        </p:spPr>
-        <p:txBody>
-          <a:bodyPr lIns="91425" tIns="45700" rIns="91425" bIns="45700" anchor="ctr" anchorCtr="0">
-            <a:noAutofit/>
-          </a:bodyPr>
-          <a:lstStyle/>
-          <a:p>
-            <a:pPr marL="0" marR="0" lvl="0" indent="0" algn="ctr" rtl="0">
-              <a:spcBef>
-                <a:spcPts val="0"/>
-              </a:spcBef>
-              <a:buNone/>
-            </a:pPr>
-            <a:endParaRPr sz="1800" b="0" i="0" u="none" strike="noStrike" cap="none">
-              <a:solidFill>
-                <a:schemeClr val="lt1"/>
-              </a:solidFill>
-              <a:latin typeface="Arial"/>
-              <a:ea typeface="Arial"/>
-              <a:cs typeface="Arial"/>
-              <a:sym typeface="Arial"/>
-            </a:endParaRPr>
-          </a:p>
-        </p:txBody>
-      </p:sp>
       <p:cxnSp>
         <p:nvCxnSpPr>
           <p:cNvPr id="284" name="Shape 284"/>
-          <p:cNvCxnSpPr/>
+          <p:cNvCxnSpPr>
+            <a:cxnSpLocks/>
+          </p:cNvCxnSpPr>
           <p:nvPr/>
         </p:nvCxnSpPr>
         <p:spPr>
-          <a:xfrm>
-            <a:off x="4531648" y="5075437"/>
-            <a:ext cx="0" cy="222124"/>
+          <a:xfrm flipH="1">
+            <a:off x="4517081" y="5075437"/>
+            <a:ext cx="14567" cy="586580"/>
           </a:xfrm>
           <a:prstGeom prst="straightConnector1">
             <a:avLst/>
@@ -17642,13 +17608,15 @@
       <p:cxnSp>
         <p:nvCxnSpPr>
           <p:cNvPr id="286" name="Shape 286"/>
-          <p:cNvCxnSpPr/>
+          <p:cNvCxnSpPr>
+            <a:cxnSpLocks/>
+          </p:cNvCxnSpPr>
           <p:nvPr/>
         </p:nvCxnSpPr>
         <p:spPr>
           <a:xfrm flipH="1">
-            <a:off x="4684048" y="5297557"/>
-            <a:ext cx="826266" cy="252627"/>
+            <a:off x="4571998" y="5297557"/>
+            <a:ext cx="938317" cy="364460"/>
           </a:xfrm>
           <a:prstGeom prst="straightConnector1">
             <a:avLst/>
@@ -17665,6 +17633,64 @@
           </a:ln>
         </p:spPr>
       </p:cxnSp>
+      <p:sp>
+        <p:nvSpPr>
+          <p:cNvPr id="21" name="Shape 329">
+            <a:extLst>
+              <a:ext uri="{FF2B5EF4-FFF2-40B4-BE49-F238E27FC236}">
+                <a16:creationId xmlns:a16="http://schemas.microsoft.com/office/drawing/2014/main" id="{9F94DAB2-DB1C-4270-A56A-231C8138EC4B}"/>
+              </a:ext>
+            </a:extLst>
+          </p:cNvPr>
+          <p:cNvSpPr/>
+          <p:nvPr/>
+        </p:nvSpPr>
+        <p:spPr>
+          <a:xfrm rot="8405148">
+            <a:off x="3799258" y="4217323"/>
+            <a:ext cx="1626198" cy="1422815"/>
+          </a:xfrm>
+          <a:prstGeom prst="arc">
+            <a:avLst>
+              <a:gd name="adj1" fmla="val 17119367"/>
+              <a:gd name="adj2" fmla="val 20652034"/>
+            </a:avLst>
+          </a:prstGeom>
+          <a:noFill/>
+          <a:ln w="28575" cap="flat" cmpd="sng">
+            <a:solidFill>
+              <a:srgbClr val="7030A0"/>
+            </a:solidFill>
+            <a:prstDash val="solid"/>
+            <a:round/>
+            <a:headEnd type="none" w="med" len="med"/>
+            <a:tailEnd type="none" w="med" len="med"/>
+          </a:ln>
+        </p:spPr>
+        <p:txBody>
+          <a:bodyPr lIns="91425" tIns="45700" rIns="91425" bIns="45700" anchor="ctr" anchorCtr="0">
+            <a:noAutofit/>
+          </a:bodyPr>
+          <a:lstStyle/>
+          <a:p>
+            <a:pPr marL="0" marR="0" lvl="0" indent="0" algn="ctr" rtl="0">
+              <a:spcBef>
+                <a:spcPts val="0"/>
+              </a:spcBef>
+              <a:buNone/>
+            </a:pPr>
+            <a:endParaRPr sz="1800" b="0" i="0" u="none" strike="noStrike" cap="none">
+              <a:solidFill>
+                <a:schemeClr val="dk1"/>
+              </a:solidFill>
+              <a:latin typeface="Arial"/>
+              <a:ea typeface="Arial"/>
+              <a:cs typeface="Arial"/>
+              <a:sym typeface="Arial"/>
+            </a:endParaRPr>
+          </a:p>
+        </p:txBody>
+      </p:sp>
     </p:spTree>
     <p:extLst>
       <p:ext uri="{BB962C8B-B14F-4D97-AF65-F5344CB8AC3E}">
@@ -18263,13 +18289,15 @@
       <p:cxnSp>
         <p:nvCxnSpPr>
           <p:cNvPr id="302" name="Shape 302"/>
-          <p:cNvCxnSpPr/>
+          <p:cNvCxnSpPr>
+            <a:cxnSpLocks/>
+          </p:cNvCxnSpPr>
           <p:nvPr/>
         </p:nvCxnSpPr>
         <p:spPr>
           <a:xfrm flipH="1">
-            <a:off x="2447414" y="5849837"/>
-            <a:ext cx="2127413" cy="269203"/>
+            <a:off x="2447415" y="5729784"/>
+            <a:ext cx="2058108" cy="389256"/>
           </a:xfrm>
           <a:prstGeom prst="straightConnector1">
             <a:avLst/>
@@ -18289,13 +18317,15 @@
       <p:cxnSp>
         <p:nvCxnSpPr>
           <p:cNvPr id="303" name="Shape 303"/>
-          <p:cNvCxnSpPr/>
+          <p:cNvCxnSpPr>
+            <a:cxnSpLocks/>
+          </p:cNvCxnSpPr>
           <p:nvPr/>
         </p:nvCxnSpPr>
         <p:spPr>
           <a:xfrm>
-            <a:off x="4615180" y="5849837"/>
-            <a:ext cx="2117058" cy="269203"/>
+            <a:off x="4615180" y="5729784"/>
+            <a:ext cx="2117058" cy="389256"/>
           </a:xfrm>
           <a:prstGeom prst="straightConnector1">
             <a:avLst/>
@@ -18312,67 +18342,18 @@
           </a:ln>
         </p:spPr>
       </p:cxnSp>
-      <p:sp>
-        <p:nvSpPr>
-          <p:cNvPr id="304" name="Shape 304"/>
-          <p:cNvSpPr/>
-          <p:nvPr/>
-        </p:nvSpPr>
-        <p:spPr>
-          <a:xfrm rot="10800000">
-            <a:off x="4250794" y="5344590"/>
-            <a:ext cx="648071" cy="505246"/>
-          </a:xfrm>
-          <a:prstGeom prst="triangle">
-            <a:avLst>
-              <a:gd name="adj" fmla="val 50000"/>
-            </a:avLst>
-          </a:prstGeom>
-          <a:noFill/>
-          <a:ln w="12700" cap="flat" cmpd="sng">
-            <a:solidFill>
-              <a:schemeClr val="dk1"/>
-            </a:solidFill>
-            <a:prstDash val="solid"/>
-            <a:round/>
-            <a:headEnd type="none" w="med" len="med"/>
-            <a:tailEnd type="none" w="med" len="med"/>
-          </a:ln>
-        </p:spPr>
-        <p:txBody>
-          <a:bodyPr lIns="91425" tIns="45700" rIns="91425" bIns="45700" anchor="ctr" anchorCtr="0">
-            <a:noAutofit/>
-          </a:bodyPr>
-          <a:lstStyle/>
-          <a:p>
-            <a:pPr marL="0" marR="0" lvl="0" indent="0" algn="ctr" rtl="0">
-              <a:spcBef>
-                <a:spcPts val="0"/>
-              </a:spcBef>
-              <a:buNone/>
-            </a:pPr>
-            <a:endParaRPr sz="1800" b="0" i="0" u="none" strike="noStrike" cap="none">
-              <a:solidFill>
-                <a:schemeClr val="lt1"/>
-              </a:solidFill>
-              <a:latin typeface="Arial"/>
-              <a:ea typeface="Arial"/>
-              <a:cs typeface="Arial"/>
-              <a:sym typeface="Arial"/>
-            </a:endParaRPr>
-          </a:p>
-        </p:txBody>
-      </p:sp>
       <p:cxnSp>
         <p:nvCxnSpPr>
           <p:cNvPr id="305" name="Shape 305"/>
-          <p:cNvCxnSpPr/>
+          <p:cNvCxnSpPr>
+            <a:cxnSpLocks/>
+          </p:cNvCxnSpPr>
           <p:nvPr/>
         </p:nvCxnSpPr>
         <p:spPr>
-          <a:xfrm>
-            <a:off x="4574828" y="5122467"/>
-            <a:ext cx="0" cy="222124"/>
+          <a:xfrm flipH="1">
+            <a:off x="4572000" y="5122467"/>
+            <a:ext cx="2828" cy="607317"/>
           </a:xfrm>
           <a:prstGeom prst="straightConnector1">
             <a:avLst/>
@@ -18392,13 +18373,15 @@
       <p:cxnSp>
         <p:nvCxnSpPr>
           <p:cNvPr id="306" name="Shape 306"/>
-          <p:cNvCxnSpPr/>
+          <p:cNvCxnSpPr>
+            <a:cxnSpLocks/>
+          </p:cNvCxnSpPr>
           <p:nvPr/>
         </p:nvCxnSpPr>
         <p:spPr>
           <a:xfrm>
-            <a:off x="4572000" y="5871941"/>
-            <a:ext cx="0" cy="222124"/>
+            <a:off x="4571998" y="5729784"/>
+            <a:ext cx="2" cy="364281"/>
           </a:xfrm>
           <a:prstGeom prst="straightConnector1">
             <a:avLst/>
@@ -18526,6 +18509,64 @@
           </p:txBody>
         </p:sp>
       </p:grpSp>
+      <p:sp>
+        <p:nvSpPr>
+          <p:cNvPr id="21" name="Shape 329">
+            <a:extLst>
+              <a:ext uri="{FF2B5EF4-FFF2-40B4-BE49-F238E27FC236}">
+                <a16:creationId xmlns:a16="http://schemas.microsoft.com/office/drawing/2014/main" id="{F133C737-C574-42EC-BE18-6C15F8037ECC}"/>
+              </a:ext>
+            </a:extLst>
+          </p:cNvPr>
+          <p:cNvSpPr/>
+          <p:nvPr/>
+        </p:nvSpPr>
+        <p:spPr>
+          <a:xfrm rot="8405148">
+            <a:off x="3888035" y="4287330"/>
+            <a:ext cx="1626198" cy="1422815"/>
+          </a:xfrm>
+          <a:prstGeom prst="arc">
+            <a:avLst>
+              <a:gd name="adj1" fmla="val 17119367"/>
+              <a:gd name="adj2" fmla="val 20652034"/>
+            </a:avLst>
+          </a:prstGeom>
+          <a:noFill/>
+          <a:ln w="28575" cap="flat" cmpd="sng">
+            <a:solidFill>
+              <a:srgbClr val="7030A0"/>
+            </a:solidFill>
+            <a:prstDash val="solid"/>
+            <a:round/>
+            <a:headEnd type="none" w="med" len="med"/>
+            <a:tailEnd type="none" w="med" len="med"/>
+          </a:ln>
+        </p:spPr>
+        <p:txBody>
+          <a:bodyPr lIns="91425" tIns="45700" rIns="91425" bIns="45700" anchor="ctr" anchorCtr="0">
+            <a:noAutofit/>
+          </a:bodyPr>
+          <a:lstStyle/>
+          <a:p>
+            <a:pPr marL="0" marR="0" lvl="0" indent="0" algn="ctr" rtl="0">
+              <a:spcBef>
+                <a:spcPts val="0"/>
+              </a:spcBef>
+              <a:buNone/>
+            </a:pPr>
+            <a:endParaRPr sz="1800" b="0" i="0" u="none" strike="noStrike" cap="none">
+              <a:solidFill>
+                <a:schemeClr val="dk1"/>
+              </a:solidFill>
+              <a:latin typeface="Arial"/>
+              <a:ea typeface="Arial"/>
+              <a:cs typeface="Arial"/>
+              <a:sym typeface="Arial"/>
+            </a:endParaRPr>
+          </a:p>
+        </p:txBody>
+      </p:sp>
     </p:spTree>
     <p:extLst>
       <p:ext uri="{BB962C8B-B14F-4D97-AF65-F5344CB8AC3E}">
@@ -19137,67 +19178,18 @@
           </a:ln>
         </p:spPr>
       </p:cxnSp>
-      <p:sp>
-        <p:nvSpPr>
-          <p:cNvPr id="327" name="Shape 327"/>
-          <p:cNvSpPr/>
-          <p:nvPr/>
-        </p:nvSpPr>
-        <p:spPr>
-          <a:xfrm rot="10800000">
-            <a:off x="4207613" y="5297560"/>
-            <a:ext cx="648071" cy="505246"/>
-          </a:xfrm>
-          <a:prstGeom prst="triangle">
-            <a:avLst>
-              <a:gd name="adj" fmla="val 50000"/>
-            </a:avLst>
-          </a:prstGeom>
-          <a:noFill/>
-          <a:ln w="12700" cap="flat" cmpd="sng">
-            <a:solidFill>
-              <a:schemeClr val="dk1"/>
-            </a:solidFill>
-            <a:prstDash val="solid"/>
-            <a:round/>
-            <a:headEnd type="none" w="med" len="med"/>
-            <a:tailEnd type="none" w="med" len="med"/>
-          </a:ln>
-        </p:spPr>
-        <p:txBody>
-          <a:bodyPr lIns="91425" tIns="45700" rIns="91425" bIns="45700" anchor="ctr" anchorCtr="0">
-            <a:noAutofit/>
-          </a:bodyPr>
-          <a:lstStyle/>
-          <a:p>
-            <a:pPr marL="0" marR="0" lvl="0" indent="0" algn="ctr" rtl="0">
-              <a:spcBef>
-                <a:spcPts val="0"/>
-              </a:spcBef>
-              <a:buNone/>
-            </a:pPr>
-            <a:endParaRPr sz="1800" b="0" i="0" u="none" strike="noStrike" cap="none">
-              <a:solidFill>
-                <a:schemeClr val="lt1"/>
-              </a:solidFill>
-              <a:latin typeface="Arial"/>
-              <a:ea typeface="Arial"/>
-              <a:cs typeface="Arial"/>
-              <a:sym typeface="Arial"/>
-            </a:endParaRPr>
-          </a:p>
-        </p:txBody>
-      </p:sp>
       <p:cxnSp>
         <p:nvCxnSpPr>
           <p:cNvPr id="328" name="Shape 328"/>
-          <p:cNvCxnSpPr/>
+          <p:cNvCxnSpPr>
+            <a:cxnSpLocks/>
+          </p:cNvCxnSpPr>
           <p:nvPr/>
         </p:nvCxnSpPr>
         <p:spPr>
           <a:xfrm>
             <a:off x="4531648" y="5075437"/>
-            <a:ext cx="0" cy="222124"/>
+            <a:ext cx="0" cy="727370"/>
           </a:xfrm>
           <a:prstGeom prst="straightConnector1">
             <a:avLst/>
@@ -19222,7 +19214,7 @@
         </p:nvSpPr>
         <p:spPr>
           <a:xfrm rot="8405148">
-            <a:off x="3830907" y="4505044"/>
+            <a:off x="3781666" y="4149927"/>
             <a:ext cx="1626198" cy="1422815"/>
           </a:xfrm>
           <a:prstGeom prst="arc">
@@ -19852,67 +19844,18 @@
           </a:ln>
         </p:spPr>
       </p:cxnSp>
-      <p:sp>
-        <p:nvSpPr>
-          <p:cNvPr id="347" name="Shape 347"/>
-          <p:cNvSpPr/>
-          <p:nvPr/>
-        </p:nvSpPr>
-        <p:spPr>
-          <a:xfrm rot="10800000">
-            <a:off x="4252001" y="4838047"/>
-            <a:ext cx="648071" cy="505246"/>
-          </a:xfrm>
-          <a:prstGeom prst="triangle">
-            <a:avLst>
-              <a:gd name="adj" fmla="val 50000"/>
-            </a:avLst>
-          </a:prstGeom>
-          <a:noFill/>
-          <a:ln w="12700" cap="flat" cmpd="sng">
-            <a:solidFill>
-              <a:schemeClr val="dk1"/>
-            </a:solidFill>
-            <a:prstDash val="solid"/>
-            <a:round/>
-            <a:headEnd type="none" w="med" len="med"/>
-            <a:tailEnd type="none" w="med" len="med"/>
-          </a:ln>
-        </p:spPr>
-        <p:txBody>
-          <a:bodyPr lIns="91425" tIns="45700" rIns="91425" bIns="45700" anchor="ctr" anchorCtr="0">
-            <a:noAutofit/>
-          </a:bodyPr>
-          <a:lstStyle/>
-          <a:p>
-            <a:pPr marL="0" marR="0" lvl="0" indent="0" algn="ctr" rtl="0">
-              <a:spcBef>
-                <a:spcPts val="0"/>
-              </a:spcBef>
-              <a:buNone/>
-            </a:pPr>
-            <a:endParaRPr sz="1800" b="0" i="0" u="none" strike="noStrike" cap="none">
-              <a:solidFill>
-                <a:schemeClr val="lt1"/>
-              </a:solidFill>
-              <a:latin typeface="Arial"/>
-              <a:ea typeface="Arial"/>
-              <a:cs typeface="Arial"/>
-              <a:sym typeface="Arial"/>
-            </a:endParaRPr>
-          </a:p>
-        </p:txBody>
-      </p:sp>
       <p:cxnSp>
         <p:nvCxnSpPr>
           <p:cNvPr id="348" name="Shape 348"/>
-          <p:cNvCxnSpPr/>
+          <p:cNvCxnSpPr>
+            <a:cxnSpLocks/>
+          </p:cNvCxnSpPr>
           <p:nvPr/>
         </p:nvCxnSpPr>
         <p:spPr>
           <a:xfrm>
             <a:off x="4576036" y="4615924"/>
-            <a:ext cx="0" cy="222124"/>
+            <a:ext cx="12671" cy="727370"/>
           </a:xfrm>
           <a:prstGeom prst="straightConnector1">
             <a:avLst/>
@@ -19929,6 +19872,64 @@
           </a:ln>
         </p:spPr>
       </p:cxnSp>
+      <p:sp>
+        <p:nvSpPr>
+          <p:cNvPr id="17" name="Shape 329">
+            <a:extLst>
+              <a:ext uri="{FF2B5EF4-FFF2-40B4-BE49-F238E27FC236}">
+                <a16:creationId xmlns:a16="http://schemas.microsoft.com/office/drawing/2014/main" id="{3F5EB086-E6C6-401A-80A1-6932FD9F1548}"/>
+              </a:ext>
+            </a:extLst>
+          </p:cNvPr>
+          <p:cNvSpPr/>
+          <p:nvPr/>
+        </p:nvSpPr>
+        <p:spPr>
+          <a:xfrm rot="8405148">
+            <a:off x="3799257" y="3686629"/>
+            <a:ext cx="1626198" cy="1422815"/>
+          </a:xfrm>
+          <a:prstGeom prst="arc">
+            <a:avLst>
+              <a:gd name="adj1" fmla="val 17119367"/>
+              <a:gd name="adj2" fmla="val 20652034"/>
+            </a:avLst>
+          </a:prstGeom>
+          <a:noFill/>
+          <a:ln w="28575" cap="flat" cmpd="sng">
+            <a:solidFill>
+              <a:srgbClr val="7030A0"/>
+            </a:solidFill>
+            <a:prstDash val="solid"/>
+            <a:round/>
+            <a:headEnd type="none" w="med" len="med"/>
+            <a:tailEnd type="none" w="med" len="med"/>
+          </a:ln>
+        </p:spPr>
+        <p:txBody>
+          <a:bodyPr lIns="91425" tIns="45700" rIns="91425" bIns="45700" anchor="ctr" anchorCtr="0">
+            <a:noAutofit/>
+          </a:bodyPr>
+          <a:lstStyle/>
+          <a:p>
+            <a:pPr marL="0" marR="0" lvl="0" indent="0" algn="ctr" rtl="0">
+              <a:spcBef>
+                <a:spcPts val="0"/>
+              </a:spcBef>
+              <a:buNone/>
+            </a:pPr>
+            <a:endParaRPr sz="1800" b="0" i="0" u="none" strike="noStrike" cap="none">
+              <a:solidFill>
+                <a:schemeClr val="dk1"/>
+              </a:solidFill>
+              <a:latin typeface="Arial"/>
+              <a:ea typeface="Arial"/>
+              <a:cs typeface="Arial"/>
+              <a:sym typeface="Arial"/>
+            </a:endParaRPr>
+          </a:p>
+        </p:txBody>
+      </p:sp>
     </p:spTree>
     <p:extLst>
       <p:ext uri="{BB962C8B-B14F-4D97-AF65-F5344CB8AC3E}">
@@ -20825,83 +20826,6 @@
           </a:ln>
         </p:spPr>
       </p:cxnSp>
-      <p:sp>
-        <p:nvSpPr>
-          <p:cNvPr id="366" name="Shape 366"/>
-          <p:cNvSpPr/>
-          <p:nvPr/>
-        </p:nvSpPr>
-        <p:spPr>
-          <a:xfrm rot="10800000">
-            <a:off x="4250794" y="5344590"/>
-            <a:ext cx="648071" cy="505246"/>
-          </a:xfrm>
-          <a:prstGeom prst="triangle">
-            <a:avLst>
-              <a:gd name="adj" fmla="val 50000"/>
-            </a:avLst>
-          </a:prstGeom>
-          <a:noFill/>
-          <a:ln w="12700" cap="flat" cmpd="sng">
-            <a:solidFill>
-              <a:schemeClr val="dk1"/>
-            </a:solidFill>
-            <a:prstDash val="solid"/>
-            <a:round/>
-            <a:headEnd type="none" w="med" len="med"/>
-            <a:tailEnd type="none" w="med" len="med"/>
-          </a:ln>
-        </p:spPr>
-        <p:txBody>
-          <a:bodyPr lIns="91425" tIns="45700" rIns="91425" bIns="45700" anchor="ctr" anchorCtr="0">
-            <a:noAutofit/>
-          </a:bodyPr>
-          <a:lstStyle/>
-          <a:p>
-            <a:pPr marL="0" marR="0" lvl="0" indent="0" algn="ctr" rtl="0">
-              <a:spcBef>
-                <a:spcPts val="0"/>
-              </a:spcBef>
-              <a:buNone/>
-            </a:pPr>
-            <a:endParaRPr sz="1800" b="0" i="0" u="none" strike="noStrike" cap="none">
-              <a:solidFill>
-                <a:schemeClr val="lt1"/>
-              </a:solidFill>
-              <a:latin typeface="Arial"/>
-              <a:ea typeface="Arial"/>
-              <a:cs typeface="Arial"/>
-              <a:sym typeface="Arial"/>
-            </a:endParaRPr>
-          </a:p>
-        </p:txBody>
-      </p:sp>
-      <p:cxnSp>
-        <p:nvCxnSpPr>
-          <p:cNvPr id="367" name="Shape 367"/>
-          <p:cNvCxnSpPr/>
-          <p:nvPr/>
-        </p:nvCxnSpPr>
-        <p:spPr>
-          <a:xfrm>
-            <a:off x="4574828" y="5122467"/>
-            <a:ext cx="0" cy="222124"/>
-          </a:xfrm>
-          <a:prstGeom prst="straightConnector1">
-            <a:avLst/>
-          </a:prstGeom>
-          <a:noFill/>
-          <a:ln w="9525" cap="flat" cmpd="sng">
-            <a:solidFill>
-              <a:schemeClr val="dk1"/>
-            </a:solidFill>
-            <a:prstDash val="solid"/>
-            <a:round/>
-            <a:headEnd type="none" w="med" len="med"/>
-            <a:tailEnd type="none" w="med" len="med"/>
-          </a:ln>
-        </p:spPr>
-      </p:cxnSp>
       <p:cxnSp>
         <p:nvCxnSpPr>
           <p:cNvPr id="368" name="Shape 368"/>
@@ -21091,65 +21015,18 @@
           </a:p>
         </p:txBody>
       </p:sp>
-      <p:sp>
-        <p:nvSpPr>
-          <p:cNvPr id="373" name="Shape 373"/>
-          <p:cNvSpPr/>
-          <p:nvPr/>
-        </p:nvSpPr>
-        <p:spPr>
-          <a:xfrm>
-            <a:off x="4463541" y="4953916"/>
-            <a:ext cx="180467" cy="203275"/>
-          </a:xfrm>
-          <a:prstGeom prst="ellipse">
-            <a:avLst/>
-          </a:prstGeom>
-          <a:noFill/>
-          <a:ln w="12700" cap="flat" cmpd="sng">
-            <a:solidFill>
-              <a:schemeClr val="dk1"/>
-            </a:solidFill>
-            <a:prstDash val="solid"/>
-            <a:round/>
-            <a:headEnd type="none" w="med" len="med"/>
-            <a:tailEnd type="none" w="med" len="med"/>
-          </a:ln>
-        </p:spPr>
-        <p:txBody>
-          <a:bodyPr lIns="91425" tIns="45700" rIns="91425" bIns="45700" anchor="ctr" anchorCtr="0">
-            <a:noAutofit/>
-          </a:bodyPr>
-          <a:lstStyle/>
-          <a:p>
-            <a:pPr marL="0" marR="0" lvl="0" indent="0" algn="ctr" rtl="0">
-              <a:spcBef>
-                <a:spcPts val="0"/>
-              </a:spcBef>
-              <a:buNone/>
-            </a:pPr>
-            <a:endParaRPr sz="1800" b="0" i="0" u="none" strike="noStrike" cap="none">
-              <a:solidFill>
-                <a:schemeClr val="lt1"/>
-              </a:solidFill>
-              <a:latin typeface="Arial"/>
-              <a:ea typeface="Arial"/>
-              <a:cs typeface="Arial"/>
-              <a:sym typeface="Arial"/>
-            </a:endParaRPr>
-          </a:p>
-        </p:txBody>
-      </p:sp>
       <p:cxnSp>
         <p:nvCxnSpPr>
           <p:cNvPr id="374" name="Shape 374"/>
-          <p:cNvCxnSpPr/>
+          <p:cNvCxnSpPr>
+            <a:cxnSpLocks/>
+          </p:cNvCxnSpPr>
           <p:nvPr/>
         </p:nvCxnSpPr>
         <p:spPr>
           <a:xfrm>
             <a:off x="4554280" y="4833430"/>
-            <a:ext cx="0" cy="120486"/>
+            <a:ext cx="20547" cy="1038511"/>
           </a:xfrm>
           <a:prstGeom prst="straightConnector1">
             <a:avLst/>
@@ -21841,67 +21718,18 @@
           </a:ln>
         </p:spPr>
       </p:cxnSp>
-      <p:sp>
-        <p:nvSpPr>
-          <p:cNvPr id="392" name="Shape 392"/>
-          <p:cNvSpPr/>
-          <p:nvPr/>
-        </p:nvSpPr>
-        <p:spPr>
-          <a:xfrm rot="10800000">
-            <a:off x="4250794" y="5344590"/>
-            <a:ext cx="648071" cy="505246"/>
-          </a:xfrm>
-          <a:prstGeom prst="triangle">
-            <a:avLst>
-              <a:gd name="adj" fmla="val 50000"/>
-            </a:avLst>
-          </a:prstGeom>
-          <a:noFill/>
-          <a:ln w="12700" cap="flat" cmpd="sng">
-            <a:solidFill>
-              <a:schemeClr val="dk1"/>
-            </a:solidFill>
-            <a:prstDash val="solid"/>
-            <a:round/>
-            <a:headEnd type="none" w="med" len="med"/>
-            <a:tailEnd type="none" w="med" len="med"/>
-          </a:ln>
-        </p:spPr>
-        <p:txBody>
-          <a:bodyPr lIns="91425" tIns="45700" rIns="91425" bIns="45700" anchor="ctr" anchorCtr="0">
-            <a:noAutofit/>
-          </a:bodyPr>
-          <a:lstStyle/>
-          <a:p>
-            <a:pPr marL="0" marR="0" lvl="0" indent="0" algn="ctr" rtl="0">
-              <a:spcBef>
-                <a:spcPts val="0"/>
-              </a:spcBef>
-              <a:buNone/>
-            </a:pPr>
-            <a:endParaRPr sz="1800" b="0" i="0" u="none" strike="noStrike" cap="none">
-              <a:solidFill>
-                <a:schemeClr val="lt1"/>
-              </a:solidFill>
-              <a:latin typeface="Arial"/>
-              <a:ea typeface="Arial"/>
-              <a:cs typeface="Arial"/>
-              <a:sym typeface="Arial"/>
-            </a:endParaRPr>
-          </a:p>
-        </p:txBody>
-      </p:sp>
       <p:cxnSp>
         <p:nvCxnSpPr>
           <p:cNvPr id="393" name="Shape 393"/>
-          <p:cNvCxnSpPr/>
+          <p:cNvCxnSpPr>
+            <a:cxnSpLocks/>
+          </p:cNvCxnSpPr>
           <p:nvPr/>
         </p:nvCxnSpPr>
         <p:spPr>
-          <a:xfrm>
-            <a:off x="4574828" y="5122467"/>
-            <a:ext cx="0" cy="222124"/>
+          <a:xfrm flipH="1">
+            <a:off x="4572000" y="5122467"/>
+            <a:ext cx="2828" cy="749474"/>
           </a:xfrm>
           <a:prstGeom prst="straightConnector1">
             <a:avLst/>
@@ -22055,6 +21883,64 @@
           </p:txBody>
         </p:sp>
       </p:grpSp>
+      <p:sp>
+        <p:nvSpPr>
+          <p:cNvPr id="21" name="Shape 329">
+            <a:extLst>
+              <a:ext uri="{FF2B5EF4-FFF2-40B4-BE49-F238E27FC236}">
+                <a16:creationId xmlns:a16="http://schemas.microsoft.com/office/drawing/2014/main" id="{09D6C229-67FC-4EAB-B570-442293B389CE}"/>
+              </a:ext>
+            </a:extLst>
+          </p:cNvPr>
+          <p:cNvSpPr/>
+          <p:nvPr/>
+        </p:nvSpPr>
+        <p:spPr>
+          <a:xfrm rot="8405148">
+            <a:off x="3799258" y="4217323"/>
+            <a:ext cx="1626198" cy="1422815"/>
+          </a:xfrm>
+          <a:prstGeom prst="arc">
+            <a:avLst>
+              <a:gd name="adj1" fmla="val 17119367"/>
+              <a:gd name="adj2" fmla="val 20652034"/>
+            </a:avLst>
+          </a:prstGeom>
+          <a:noFill/>
+          <a:ln w="28575" cap="flat" cmpd="sng">
+            <a:solidFill>
+              <a:srgbClr val="7030A0"/>
+            </a:solidFill>
+            <a:prstDash val="solid"/>
+            <a:round/>
+            <a:headEnd type="none" w="med" len="med"/>
+            <a:tailEnd type="none" w="med" len="med"/>
+          </a:ln>
+        </p:spPr>
+        <p:txBody>
+          <a:bodyPr lIns="91425" tIns="45700" rIns="91425" bIns="45700" anchor="ctr" anchorCtr="0">
+            <a:noAutofit/>
+          </a:bodyPr>
+          <a:lstStyle/>
+          <a:p>
+            <a:pPr marL="0" marR="0" lvl="0" indent="0" algn="ctr" rtl="0">
+              <a:spcBef>
+                <a:spcPts val="0"/>
+              </a:spcBef>
+              <a:buNone/>
+            </a:pPr>
+            <a:endParaRPr sz="1800" b="0" i="0" u="none" strike="noStrike" cap="none">
+              <a:solidFill>
+                <a:schemeClr val="dk1"/>
+              </a:solidFill>
+              <a:latin typeface="Arial"/>
+              <a:ea typeface="Arial"/>
+              <a:cs typeface="Arial"/>
+              <a:sym typeface="Arial"/>
+            </a:endParaRPr>
+          </a:p>
+        </p:txBody>
+      </p:sp>
     </p:spTree>
     <p:extLst>
       <p:ext uri="{BB962C8B-B14F-4D97-AF65-F5344CB8AC3E}">
